--- a/Media/proto.pptx
+++ b/Media/proto.pptx
@@ -15,7 +15,8 @@
     <p:sldId id="264" r:id="rId9"/>
     <p:sldId id="266" r:id="rId10"/>
     <p:sldId id="265" r:id="rId11"/>
-    <p:sldId id="268" r:id="rId12"/>
+    <p:sldId id="269" r:id="rId12"/>
+    <p:sldId id="268" r:id="rId13"/>
   </p:sldIdLst>
   <p:sldSz cx="12192000" cy="6858000"/>
   <p:notesSz cx="6858000" cy="9144000"/>
@@ -253,7 +254,7 @@
           <a:p>
             <a:fld id="{5D3DBE6A-35B3-4A06-AC66-4E375DA9B005}" type="datetimeFigureOut">
               <a:rPr lang="sv-SE" smtClean="0"/>
-              <a:t>2017-01-10</a:t>
+              <a:t>2017-01-22</a:t>
             </a:fld>
             <a:endParaRPr lang="sv-SE"/>
           </a:p>
@@ -423,7 +424,7 @@
           <a:p>
             <a:fld id="{5D3DBE6A-35B3-4A06-AC66-4E375DA9B005}" type="datetimeFigureOut">
               <a:rPr lang="sv-SE" smtClean="0"/>
-              <a:t>2017-01-10</a:t>
+              <a:t>2017-01-22</a:t>
             </a:fld>
             <a:endParaRPr lang="sv-SE"/>
           </a:p>
@@ -603,7 +604,7 @@
           <a:p>
             <a:fld id="{5D3DBE6A-35B3-4A06-AC66-4E375DA9B005}" type="datetimeFigureOut">
               <a:rPr lang="sv-SE" smtClean="0"/>
-              <a:t>2017-01-10</a:t>
+              <a:t>2017-01-22</a:t>
             </a:fld>
             <a:endParaRPr lang="sv-SE"/>
           </a:p>
@@ -773,7 +774,7 @@
           <a:p>
             <a:fld id="{5D3DBE6A-35B3-4A06-AC66-4E375DA9B005}" type="datetimeFigureOut">
               <a:rPr lang="sv-SE" smtClean="0"/>
-              <a:t>2017-01-10</a:t>
+              <a:t>2017-01-22</a:t>
             </a:fld>
             <a:endParaRPr lang="sv-SE"/>
           </a:p>
@@ -1019,7 +1020,7 @@
           <a:p>
             <a:fld id="{5D3DBE6A-35B3-4A06-AC66-4E375DA9B005}" type="datetimeFigureOut">
               <a:rPr lang="sv-SE" smtClean="0"/>
-              <a:t>2017-01-10</a:t>
+              <a:t>2017-01-22</a:t>
             </a:fld>
             <a:endParaRPr lang="sv-SE"/>
           </a:p>
@@ -1251,7 +1252,7 @@
           <a:p>
             <a:fld id="{5D3DBE6A-35B3-4A06-AC66-4E375DA9B005}" type="datetimeFigureOut">
               <a:rPr lang="sv-SE" smtClean="0"/>
-              <a:t>2017-01-10</a:t>
+              <a:t>2017-01-22</a:t>
             </a:fld>
             <a:endParaRPr lang="sv-SE"/>
           </a:p>
@@ -1618,7 +1619,7 @@
           <a:p>
             <a:fld id="{5D3DBE6A-35B3-4A06-AC66-4E375DA9B005}" type="datetimeFigureOut">
               <a:rPr lang="sv-SE" smtClean="0"/>
-              <a:t>2017-01-10</a:t>
+              <a:t>2017-01-22</a:t>
             </a:fld>
             <a:endParaRPr lang="sv-SE"/>
           </a:p>
@@ -1736,7 +1737,7 @@
           <a:p>
             <a:fld id="{5D3DBE6A-35B3-4A06-AC66-4E375DA9B005}" type="datetimeFigureOut">
               <a:rPr lang="sv-SE" smtClean="0"/>
-              <a:t>2017-01-10</a:t>
+              <a:t>2017-01-22</a:t>
             </a:fld>
             <a:endParaRPr lang="sv-SE"/>
           </a:p>
@@ -1831,7 +1832,7 @@
           <a:p>
             <a:fld id="{5D3DBE6A-35B3-4A06-AC66-4E375DA9B005}" type="datetimeFigureOut">
               <a:rPr lang="sv-SE" smtClean="0"/>
-              <a:t>2017-01-10</a:t>
+              <a:t>2017-01-22</a:t>
             </a:fld>
             <a:endParaRPr lang="sv-SE"/>
           </a:p>
@@ -2108,7 +2109,7 @@
           <a:p>
             <a:fld id="{5D3DBE6A-35B3-4A06-AC66-4E375DA9B005}" type="datetimeFigureOut">
               <a:rPr lang="sv-SE" smtClean="0"/>
-              <a:t>2017-01-10</a:t>
+              <a:t>2017-01-22</a:t>
             </a:fld>
             <a:endParaRPr lang="sv-SE"/>
           </a:p>
@@ -2361,7 +2362,7 @@
           <a:p>
             <a:fld id="{5D3DBE6A-35B3-4A06-AC66-4E375DA9B005}" type="datetimeFigureOut">
               <a:rPr lang="sv-SE" smtClean="0"/>
-              <a:t>2017-01-10</a:t>
+              <a:t>2017-01-22</a:t>
             </a:fld>
             <a:endParaRPr lang="sv-SE"/>
           </a:p>
@@ -2574,7 +2575,7 @@
           <a:p>
             <a:fld id="{5D3DBE6A-35B3-4A06-AC66-4E375DA9B005}" type="datetimeFigureOut">
               <a:rPr lang="sv-SE" smtClean="0"/>
-              <a:t>2017-01-10</a:t>
+              <a:t>2017-01-22</a:t>
             </a:fld>
             <a:endParaRPr lang="sv-SE"/>
           </a:p>
@@ -7922,7 +7923,9 @@
     <p:bg>
       <p:bgPr>
         <a:solidFill>
-          <a:srgbClr val="282828"/>
+          <a:schemeClr val="accent1">
+            <a:lumMod val="50000"/>
+          </a:schemeClr>
         </a:solidFill>
         <a:effectLst/>
       </p:bgPr>
@@ -7943,14 +7946,14 @@
       </p:grpSpPr>
       <p:sp>
         <p:nvSpPr>
-          <p:cNvPr id="44" name="Rectangle 43"/>
+          <p:cNvPr id="42" name="Rectangle 41"/>
           <p:cNvSpPr/>
           <p:nvPr/>
         </p:nvSpPr>
         <p:spPr>
           <a:xfrm>
-            <a:off x="0" y="0"/>
-            <a:ext cx="12192000" cy="6858000"/>
+            <a:off x="0" y="1776553"/>
+            <a:ext cx="12192000" cy="3142894"/>
           </a:xfrm>
           <a:prstGeom prst="rect">
             <a:avLst/>
@@ -7983,7 +7986,7 @@
           <a:lstStyle/>
           <a:p>
             <a:pPr algn="ctr"/>
-            <a:endParaRPr lang="sv-SE"/>
+            <a:endParaRPr lang="sv-SE" dirty="0"/>
           </a:p>
         </p:txBody>
       </p:sp>
@@ -11133,6 +11136,1900 @@
 </file>
 
 <file path=ppt/slides/slide11.xml><?xml version="1.0" encoding="utf-8"?>
+<p:sld xmlns:a="http://schemas.openxmlformats.org/drawingml/2006/main" xmlns:r="http://schemas.openxmlformats.org/officeDocument/2006/relationships" xmlns:p="http://schemas.openxmlformats.org/presentationml/2006/main">
+  <p:cSld>
+    <p:bg>
+      <p:bgPr>
+        <a:solidFill>
+          <a:schemeClr val="accent1">
+            <a:lumMod val="50000"/>
+          </a:schemeClr>
+        </a:solidFill>
+        <a:effectLst/>
+      </p:bgPr>
+    </p:bg>
+    <p:spTree>
+      <p:nvGrpSpPr>
+        <p:cNvPr id="1" name=""/>
+        <p:cNvGrpSpPr/>
+        <p:nvPr/>
+      </p:nvGrpSpPr>
+      <p:grpSpPr>
+        <a:xfrm>
+          <a:off x="0" y="0"/>
+          <a:ext cx="0" cy="0"/>
+          <a:chOff x="0" y="0"/>
+          <a:chExt cx="0" cy="0"/>
+        </a:xfrm>
+      </p:grpSpPr>
+      <p:sp>
+        <p:nvSpPr>
+          <p:cNvPr id="42" name="Rectangle 41"/>
+          <p:cNvSpPr/>
+          <p:nvPr/>
+        </p:nvSpPr>
+        <p:spPr>
+          <a:xfrm>
+            <a:off x="0" y="1776553"/>
+            <a:ext cx="12192000" cy="3142894"/>
+          </a:xfrm>
+          <a:prstGeom prst="rect">
+            <a:avLst/>
+          </a:prstGeom>
+          <a:solidFill>
+            <a:srgbClr val="282828"/>
+          </a:solidFill>
+          <a:ln>
+            <a:noFill/>
+          </a:ln>
+        </p:spPr>
+        <p:style>
+          <a:lnRef idx="2">
+            <a:schemeClr val="accent1">
+              <a:shade val="50000"/>
+            </a:schemeClr>
+          </a:lnRef>
+          <a:fillRef idx="1">
+            <a:schemeClr val="accent1"/>
+          </a:fillRef>
+          <a:effectRef idx="0">
+            <a:schemeClr val="accent1"/>
+          </a:effectRef>
+          <a:fontRef idx="minor">
+            <a:schemeClr val="lt1"/>
+          </a:fontRef>
+        </p:style>
+        <p:txBody>
+          <a:bodyPr rtlCol="0" anchor="ctr"/>
+          <a:lstStyle/>
+          <a:p>
+            <a:pPr algn="ctr"/>
+            <a:endParaRPr lang="sv-SE"/>
+          </a:p>
+        </p:txBody>
+      </p:sp>
+      <p:sp>
+        <p:nvSpPr>
+          <p:cNvPr id="41" name="Oval 40"/>
+          <p:cNvSpPr/>
+          <p:nvPr/>
+        </p:nvSpPr>
+        <p:spPr>
+          <a:xfrm>
+            <a:off x="2352335" y="3348000"/>
+            <a:ext cx="3071622" cy="1094282"/>
+          </a:xfrm>
+          <a:prstGeom prst="ellipse">
+            <a:avLst/>
+          </a:prstGeom>
+          <a:solidFill>
+            <a:schemeClr val="tx1">
+              <a:alpha val="27000"/>
+            </a:schemeClr>
+          </a:solidFill>
+          <a:ln>
+            <a:noFill/>
+          </a:ln>
+          <a:effectLst>
+            <a:softEdge rad="317500"/>
+          </a:effectLst>
+        </p:spPr>
+        <p:style>
+          <a:lnRef idx="2">
+            <a:schemeClr val="accent1">
+              <a:shade val="50000"/>
+            </a:schemeClr>
+          </a:lnRef>
+          <a:fillRef idx="1">
+            <a:schemeClr val="accent1"/>
+          </a:fillRef>
+          <a:effectRef idx="0">
+            <a:schemeClr val="accent1"/>
+          </a:effectRef>
+          <a:fontRef idx="minor">
+            <a:schemeClr val="lt1"/>
+          </a:fontRef>
+        </p:style>
+        <p:txBody>
+          <a:bodyPr rtlCol="0" anchor="ctr"/>
+          <a:lstStyle/>
+          <a:p>
+            <a:pPr algn="ctr"/>
+            <a:endParaRPr lang="sv-SE"/>
+          </a:p>
+        </p:txBody>
+      </p:sp>
+      <p:sp>
+        <p:nvSpPr>
+          <p:cNvPr id="39" name="Rectangle 38"/>
+          <p:cNvSpPr/>
+          <p:nvPr/>
+        </p:nvSpPr>
+        <p:spPr>
+          <a:xfrm>
+            <a:off x="1524000" y="1980000"/>
+            <a:ext cx="9144000" cy="2090691"/>
+          </a:xfrm>
+          <a:prstGeom prst="rect">
+            <a:avLst/>
+          </a:prstGeom>
+          <a:noFill/>
+          <a:ln>
+            <a:noFill/>
+          </a:ln>
+        </p:spPr>
+        <p:style>
+          <a:lnRef idx="2">
+            <a:schemeClr val="accent1">
+              <a:shade val="50000"/>
+            </a:schemeClr>
+          </a:lnRef>
+          <a:fillRef idx="1">
+            <a:schemeClr val="accent1"/>
+          </a:fillRef>
+          <a:effectRef idx="0">
+            <a:schemeClr val="accent1"/>
+          </a:effectRef>
+          <a:fontRef idx="minor">
+            <a:schemeClr val="lt1"/>
+          </a:fontRef>
+        </p:style>
+        <p:txBody>
+          <a:bodyPr rtlCol="0" anchor="ctr"/>
+          <a:lstStyle/>
+          <a:p>
+            <a:pPr algn="ctr"/>
+            <a:endParaRPr lang="sv-SE"/>
+          </a:p>
+        </p:txBody>
+      </p:sp>
+      <p:sp>
+        <p:nvSpPr>
+          <p:cNvPr id="73" name="Freeform 72"/>
+          <p:cNvSpPr/>
+          <p:nvPr/>
+        </p:nvSpPr>
+        <p:spPr>
+          <a:xfrm rot="5400000">
+            <a:off x="3224027" y="2770930"/>
+            <a:ext cx="376234" cy="651679"/>
+          </a:xfrm>
+          <a:custGeom>
+            <a:avLst/>
+            <a:gdLst>
+              <a:gd name="connsiteX0" fmla="*/ 0 w 2013626"/>
+              <a:gd name="connsiteY0" fmla="*/ 1735884 h 3471768"/>
+              <a:gd name="connsiteX1" fmla="*/ 1006813 w 2013626"/>
+              <a:gd name="connsiteY1" fmla="*/ 0 h 3471768"/>
+              <a:gd name="connsiteX2" fmla="*/ 2013626 w 2013626"/>
+              <a:gd name="connsiteY2" fmla="*/ 1735884 h 3471768"/>
+              <a:gd name="connsiteX3" fmla="*/ 1006813 w 2013626"/>
+              <a:gd name="connsiteY3" fmla="*/ 3471768 h 3471768"/>
+            </a:gdLst>
+            <a:ahLst/>
+            <a:cxnLst>
+              <a:cxn ang="0">
+                <a:pos x="connsiteX0" y="connsiteY0"/>
+              </a:cxn>
+              <a:cxn ang="0">
+                <a:pos x="connsiteX1" y="connsiteY1"/>
+              </a:cxn>
+              <a:cxn ang="0">
+                <a:pos x="connsiteX2" y="connsiteY2"/>
+              </a:cxn>
+              <a:cxn ang="0">
+                <a:pos x="connsiteX3" y="connsiteY3"/>
+              </a:cxn>
+            </a:cxnLst>
+            <a:rect l="l" t="t" r="r" b="b"/>
+            <a:pathLst>
+              <a:path w="2013626" h="3471768">
+                <a:moveTo>
+                  <a:pt x="0" y="1735884"/>
+                </a:moveTo>
+                <a:lnTo>
+                  <a:pt x="1006813" y="0"/>
+                </a:lnTo>
+                <a:lnTo>
+                  <a:pt x="2013626" y="1735884"/>
+                </a:lnTo>
+                <a:lnTo>
+                  <a:pt x="1006813" y="3471768"/>
+                </a:lnTo>
+                <a:close/>
+              </a:path>
+            </a:pathLst>
+          </a:custGeom>
+          <a:solidFill>
+            <a:srgbClr val="FFCC29"/>
+          </a:solidFill>
+          <a:ln w="15240" cap="rnd">
+            <a:solidFill>
+              <a:schemeClr val="tx1"/>
+            </a:solidFill>
+            <a:round/>
+          </a:ln>
+        </p:spPr>
+        <p:style>
+          <a:lnRef idx="2">
+            <a:schemeClr val="accent1">
+              <a:shade val="50000"/>
+            </a:schemeClr>
+          </a:lnRef>
+          <a:fillRef idx="1">
+            <a:schemeClr val="accent1"/>
+          </a:fillRef>
+          <a:effectRef idx="0">
+            <a:schemeClr val="accent1"/>
+          </a:effectRef>
+          <a:fontRef idx="minor">
+            <a:schemeClr val="lt1"/>
+          </a:fontRef>
+        </p:style>
+        <p:txBody>
+          <a:bodyPr rtlCol="0" anchor="ctr"/>
+          <a:lstStyle/>
+          <a:p>
+            <a:pPr algn="ctr"/>
+            <a:endParaRPr lang="sv-SE"/>
+          </a:p>
+        </p:txBody>
+      </p:sp>
+      <p:sp>
+        <p:nvSpPr>
+          <p:cNvPr id="74" name="Freeform 73"/>
+          <p:cNvSpPr/>
+          <p:nvPr/>
+        </p:nvSpPr>
+        <p:spPr>
+          <a:xfrm rot="9000000">
+            <a:off x="3060485" y="3053131"/>
+            <a:ext cx="376541" cy="651405"/>
+          </a:xfrm>
+          <a:custGeom>
+            <a:avLst/>
+            <a:gdLst>
+              <a:gd name="connsiteX0" fmla="*/ 0 w 2013626"/>
+              <a:gd name="connsiteY0" fmla="*/ 1735884 h 3471768"/>
+              <a:gd name="connsiteX1" fmla="*/ 1006813 w 2013626"/>
+              <a:gd name="connsiteY1" fmla="*/ 0 h 3471768"/>
+              <a:gd name="connsiteX2" fmla="*/ 2013626 w 2013626"/>
+              <a:gd name="connsiteY2" fmla="*/ 1735884 h 3471768"/>
+              <a:gd name="connsiteX3" fmla="*/ 1006813 w 2013626"/>
+              <a:gd name="connsiteY3" fmla="*/ 3471768 h 3471768"/>
+            </a:gdLst>
+            <a:ahLst/>
+            <a:cxnLst>
+              <a:cxn ang="0">
+                <a:pos x="connsiteX0" y="connsiteY0"/>
+              </a:cxn>
+              <a:cxn ang="0">
+                <a:pos x="connsiteX1" y="connsiteY1"/>
+              </a:cxn>
+              <a:cxn ang="0">
+                <a:pos x="connsiteX2" y="connsiteY2"/>
+              </a:cxn>
+              <a:cxn ang="0">
+                <a:pos x="connsiteX3" y="connsiteY3"/>
+              </a:cxn>
+            </a:cxnLst>
+            <a:rect l="l" t="t" r="r" b="b"/>
+            <a:pathLst>
+              <a:path w="2013626" h="3471768">
+                <a:moveTo>
+                  <a:pt x="0" y="1735884"/>
+                </a:moveTo>
+                <a:lnTo>
+                  <a:pt x="1006813" y="0"/>
+                </a:lnTo>
+                <a:lnTo>
+                  <a:pt x="2013626" y="1735884"/>
+                </a:lnTo>
+                <a:lnTo>
+                  <a:pt x="1006813" y="3471768"/>
+                </a:lnTo>
+                <a:close/>
+              </a:path>
+            </a:pathLst>
+          </a:custGeom>
+          <a:solidFill>
+            <a:srgbClr val="FF4B4B"/>
+          </a:solidFill>
+          <a:ln w="15240" cap="rnd">
+            <a:solidFill>
+              <a:schemeClr val="tx1"/>
+            </a:solidFill>
+            <a:round/>
+          </a:ln>
+        </p:spPr>
+        <p:style>
+          <a:lnRef idx="2">
+            <a:schemeClr val="accent1">
+              <a:shade val="50000"/>
+            </a:schemeClr>
+          </a:lnRef>
+          <a:fillRef idx="1">
+            <a:schemeClr val="accent1"/>
+          </a:fillRef>
+          <a:effectRef idx="0">
+            <a:schemeClr val="accent1"/>
+          </a:effectRef>
+          <a:fontRef idx="minor">
+            <a:schemeClr val="lt1"/>
+          </a:fontRef>
+        </p:style>
+        <p:txBody>
+          <a:bodyPr rtlCol="0" anchor="ctr"/>
+          <a:lstStyle/>
+          <a:p>
+            <a:pPr algn="ctr"/>
+            <a:endParaRPr lang="sv-SE"/>
+          </a:p>
+        </p:txBody>
+      </p:sp>
+      <p:sp>
+        <p:nvSpPr>
+          <p:cNvPr id="71" name="Freeform 70"/>
+          <p:cNvSpPr/>
+          <p:nvPr/>
+        </p:nvSpPr>
+        <p:spPr>
+          <a:xfrm rot="9000000">
+            <a:off x="4015174" y="3053130"/>
+            <a:ext cx="376541" cy="651405"/>
+          </a:xfrm>
+          <a:custGeom>
+            <a:avLst/>
+            <a:gdLst>
+              <a:gd name="connsiteX0" fmla="*/ 0 w 2013626"/>
+              <a:gd name="connsiteY0" fmla="*/ 1735884 h 3471768"/>
+              <a:gd name="connsiteX1" fmla="*/ 1006813 w 2013626"/>
+              <a:gd name="connsiteY1" fmla="*/ 0 h 3471768"/>
+              <a:gd name="connsiteX2" fmla="*/ 2013626 w 2013626"/>
+              <a:gd name="connsiteY2" fmla="*/ 1735884 h 3471768"/>
+              <a:gd name="connsiteX3" fmla="*/ 1006813 w 2013626"/>
+              <a:gd name="connsiteY3" fmla="*/ 3471768 h 3471768"/>
+            </a:gdLst>
+            <a:ahLst/>
+            <a:cxnLst>
+              <a:cxn ang="0">
+                <a:pos x="connsiteX0" y="connsiteY0"/>
+              </a:cxn>
+              <a:cxn ang="0">
+                <a:pos x="connsiteX1" y="connsiteY1"/>
+              </a:cxn>
+              <a:cxn ang="0">
+                <a:pos x="connsiteX2" y="connsiteY2"/>
+              </a:cxn>
+              <a:cxn ang="0">
+                <a:pos x="connsiteX3" y="connsiteY3"/>
+              </a:cxn>
+            </a:cxnLst>
+            <a:rect l="l" t="t" r="r" b="b"/>
+            <a:pathLst>
+              <a:path w="2013626" h="3471768">
+                <a:moveTo>
+                  <a:pt x="0" y="1735884"/>
+                </a:moveTo>
+                <a:lnTo>
+                  <a:pt x="1006813" y="0"/>
+                </a:lnTo>
+                <a:lnTo>
+                  <a:pt x="2013626" y="1735884"/>
+                </a:lnTo>
+                <a:lnTo>
+                  <a:pt x="1006813" y="3471768"/>
+                </a:lnTo>
+                <a:close/>
+              </a:path>
+            </a:pathLst>
+          </a:custGeom>
+          <a:solidFill>
+            <a:srgbClr val="FF4B4B"/>
+          </a:solidFill>
+          <a:ln w="15240" cap="rnd">
+            <a:solidFill>
+              <a:schemeClr val="tx1"/>
+            </a:solidFill>
+            <a:round/>
+          </a:ln>
+        </p:spPr>
+        <p:style>
+          <a:lnRef idx="2">
+            <a:schemeClr val="accent1">
+              <a:shade val="50000"/>
+            </a:schemeClr>
+          </a:lnRef>
+          <a:fillRef idx="1">
+            <a:schemeClr val="accent1"/>
+          </a:fillRef>
+          <a:effectRef idx="0">
+            <a:schemeClr val="accent1"/>
+          </a:effectRef>
+          <a:fontRef idx="minor">
+            <a:schemeClr val="lt1"/>
+          </a:fontRef>
+        </p:style>
+        <p:txBody>
+          <a:bodyPr rtlCol="0" anchor="ctr"/>
+          <a:lstStyle/>
+          <a:p>
+            <a:pPr algn="ctr"/>
+            <a:endParaRPr lang="sv-SE"/>
+          </a:p>
+        </p:txBody>
+      </p:sp>
+      <p:sp>
+        <p:nvSpPr>
+          <p:cNvPr id="72" name="Freeform 71"/>
+          <p:cNvSpPr/>
+          <p:nvPr/>
+        </p:nvSpPr>
+        <p:spPr>
+          <a:xfrm rot="12600000" flipH="1">
+            <a:off x="4341205" y="3053130"/>
+            <a:ext cx="376541" cy="651405"/>
+          </a:xfrm>
+          <a:custGeom>
+            <a:avLst/>
+            <a:gdLst>
+              <a:gd name="connsiteX0" fmla="*/ 0 w 2013626"/>
+              <a:gd name="connsiteY0" fmla="*/ 1735884 h 3471768"/>
+              <a:gd name="connsiteX1" fmla="*/ 1006813 w 2013626"/>
+              <a:gd name="connsiteY1" fmla="*/ 0 h 3471768"/>
+              <a:gd name="connsiteX2" fmla="*/ 2013626 w 2013626"/>
+              <a:gd name="connsiteY2" fmla="*/ 1735884 h 3471768"/>
+              <a:gd name="connsiteX3" fmla="*/ 1006813 w 2013626"/>
+              <a:gd name="connsiteY3" fmla="*/ 3471768 h 3471768"/>
+            </a:gdLst>
+            <a:ahLst/>
+            <a:cxnLst>
+              <a:cxn ang="0">
+                <a:pos x="connsiteX0" y="connsiteY0"/>
+              </a:cxn>
+              <a:cxn ang="0">
+                <a:pos x="connsiteX1" y="connsiteY1"/>
+              </a:cxn>
+              <a:cxn ang="0">
+                <a:pos x="connsiteX2" y="connsiteY2"/>
+              </a:cxn>
+              <a:cxn ang="0">
+                <a:pos x="connsiteX3" y="connsiteY3"/>
+              </a:cxn>
+            </a:cxnLst>
+            <a:rect l="l" t="t" r="r" b="b"/>
+            <a:pathLst>
+              <a:path w="2013626" h="3471768">
+                <a:moveTo>
+                  <a:pt x="0" y="1735884"/>
+                </a:moveTo>
+                <a:lnTo>
+                  <a:pt x="1006813" y="0"/>
+                </a:lnTo>
+                <a:lnTo>
+                  <a:pt x="2013626" y="1735884"/>
+                </a:lnTo>
+                <a:lnTo>
+                  <a:pt x="1006813" y="3471768"/>
+                </a:lnTo>
+                <a:close/>
+              </a:path>
+            </a:pathLst>
+          </a:custGeom>
+          <a:solidFill>
+            <a:srgbClr val="9933FF"/>
+          </a:solidFill>
+          <a:ln w="15240" cap="rnd">
+            <a:solidFill>
+              <a:schemeClr val="tx1"/>
+            </a:solidFill>
+            <a:round/>
+          </a:ln>
+        </p:spPr>
+        <p:style>
+          <a:lnRef idx="2">
+            <a:schemeClr val="accent1">
+              <a:shade val="50000"/>
+            </a:schemeClr>
+          </a:lnRef>
+          <a:fillRef idx="1">
+            <a:schemeClr val="accent1"/>
+          </a:fillRef>
+          <a:effectRef idx="0">
+            <a:schemeClr val="accent1"/>
+          </a:effectRef>
+          <a:fontRef idx="minor">
+            <a:schemeClr val="lt1"/>
+          </a:fontRef>
+        </p:style>
+        <p:txBody>
+          <a:bodyPr rtlCol="0" anchor="ctr"/>
+          <a:lstStyle/>
+          <a:p>
+            <a:pPr algn="ctr"/>
+            <a:endParaRPr lang="sv-SE"/>
+          </a:p>
+        </p:txBody>
+      </p:sp>
+      <p:sp>
+        <p:nvSpPr>
+          <p:cNvPr id="67" name="Freeform 66"/>
+          <p:cNvSpPr/>
+          <p:nvPr/>
+        </p:nvSpPr>
+        <p:spPr>
+          <a:xfrm rot="5400000">
+            <a:off x="3701383" y="3048515"/>
+            <a:ext cx="376234" cy="651679"/>
+          </a:xfrm>
+          <a:custGeom>
+            <a:avLst/>
+            <a:gdLst>
+              <a:gd name="connsiteX0" fmla="*/ 0 w 2013626"/>
+              <a:gd name="connsiteY0" fmla="*/ 1735884 h 3471768"/>
+              <a:gd name="connsiteX1" fmla="*/ 1006813 w 2013626"/>
+              <a:gd name="connsiteY1" fmla="*/ 0 h 3471768"/>
+              <a:gd name="connsiteX2" fmla="*/ 2013626 w 2013626"/>
+              <a:gd name="connsiteY2" fmla="*/ 1735884 h 3471768"/>
+              <a:gd name="connsiteX3" fmla="*/ 1006813 w 2013626"/>
+              <a:gd name="connsiteY3" fmla="*/ 3471768 h 3471768"/>
+            </a:gdLst>
+            <a:ahLst/>
+            <a:cxnLst>
+              <a:cxn ang="0">
+                <a:pos x="connsiteX0" y="connsiteY0"/>
+              </a:cxn>
+              <a:cxn ang="0">
+                <a:pos x="connsiteX1" y="connsiteY1"/>
+              </a:cxn>
+              <a:cxn ang="0">
+                <a:pos x="connsiteX2" y="connsiteY2"/>
+              </a:cxn>
+              <a:cxn ang="0">
+                <a:pos x="connsiteX3" y="connsiteY3"/>
+              </a:cxn>
+            </a:cxnLst>
+            <a:rect l="l" t="t" r="r" b="b"/>
+            <a:pathLst>
+              <a:path w="2013626" h="3471768">
+                <a:moveTo>
+                  <a:pt x="0" y="1735884"/>
+                </a:moveTo>
+                <a:lnTo>
+                  <a:pt x="1006813" y="0"/>
+                </a:lnTo>
+                <a:lnTo>
+                  <a:pt x="2013626" y="1735884"/>
+                </a:lnTo>
+                <a:lnTo>
+                  <a:pt x="1006813" y="3471768"/>
+                </a:lnTo>
+                <a:close/>
+              </a:path>
+            </a:pathLst>
+          </a:custGeom>
+          <a:solidFill>
+            <a:srgbClr val="FFCC29"/>
+          </a:solidFill>
+          <a:ln w="15240" cap="rnd">
+            <a:solidFill>
+              <a:schemeClr val="tx1"/>
+            </a:solidFill>
+            <a:round/>
+          </a:ln>
+        </p:spPr>
+        <p:style>
+          <a:lnRef idx="2">
+            <a:schemeClr val="accent1">
+              <a:shade val="50000"/>
+            </a:schemeClr>
+          </a:lnRef>
+          <a:fillRef idx="1">
+            <a:schemeClr val="accent1"/>
+          </a:fillRef>
+          <a:effectRef idx="0">
+            <a:schemeClr val="accent1"/>
+          </a:effectRef>
+          <a:fontRef idx="minor">
+            <a:schemeClr val="lt1"/>
+          </a:fontRef>
+        </p:style>
+        <p:txBody>
+          <a:bodyPr rtlCol="0" anchor="ctr"/>
+          <a:lstStyle/>
+          <a:p>
+            <a:pPr algn="ctr"/>
+            <a:endParaRPr lang="sv-SE"/>
+          </a:p>
+        </p:txBody>
+      </p:sp>
+      <p:sp>
+        <p:nvSpPr>
+          <p:cNvPr id="68" name="Freeform 67"/>
+          <p:cNvSpPr/>
+          <p:nvPr/>
+        </p:nvSpPr>
+        <p:spPr>
+          <a:xfrm rot="9000000">
+            <a:off x="3537841" y="3330716"/>
+            <a:ext cx="376541" cy="651405"/>
+          </a:xfrm>
+          <a:custGeom>
+            <a:avLst/>
+            <a:gdLst>
+              <a:gd name="connsiteX0" fmla="*/ 0 w 2013626"/>
+              <a:gd name="connsiteY0" fmla="*/ 1735884 h 3471768"/>
+              <a:gd name="connsiteX1" fmla="*/ 1006813 w 2013626"/>
+              <a:gd name="connsiteY1" fmla="*/ 0 h 3471768"/>
+              <a:gd name="connsiteX2" fmla="*/ 2013626 w 2013626"/>
+              <a:gd name="connsiteY2" fmla="*/ 1735884 h 3471768"/>
+              <a:gd name="connsiteX3" fmla="*/ 1006813 w 2013626"/>
+              <a:gd name="connsiteY3" fmla="*/ 3471768 h 3471768"/>
+            </a:gdLst>
+            <a:ahLst/>
+            <a:cxnLst>
+              <a:cxn ang="0">
+                <a:pos x="connsiteX0" y="connsiteY0"/>
+              </a:cxn>
+              <a:cxn ang="0">
+                <a:pos x="connsiteX1" y="connsiteY1"/>
+              </a:cxn>
+              <a:cxn ang="0">
+                <a:pos x="connsiteX2" y="connsiteY2"/>
+              </a:cxn>
+              <a:cxn ang="0">
+                <a:pos x="connsiteX3" y="connsiteY3"/>
+              </a:cxn>
+            </a:cxnLst>
+            <a:rect l="l" t="t" r="r" b="b"/>
+            <a:pathLst>
+              <a:path w="2013626" h="3471768">
+                <a:moveTo>
+                  <a:pt x="0" y="1735884"/>
+                </a:moveTo>
+                <a:lnTo>
+                  <a:pt x="1006813" y="0"/>
+                </a:lnTo>
+                <a:lnTo>
+                  <a:pt x="2013626" y="1735884"/>
+                </a:lnTo>
+                <a:lnTo>
+                  <a:pt x="1006813" y="3471768"/>
+                </a:lnTo>
+                <a:close/>
+              </a:path>
+            </a:pathLst>
+          </a:custGeom>
+          <a:solidFill>
+            <a:srgbClr val="FF4B4B"/>
+          </a:solidFill>
+          <a:ln w="15240" cap="rnd">
+            <a:solidFill>
+              <a:schemeClr val="tx1"/>
+            </a:solidFill>
+            <a:round/>
+          </a:ln>
+        </p:spPr>
+        <p:style>
+          <a:lnRef idx="2">
+            <a:schemeClr val="accent1">
+              <a:shade val="50000"/>
+            </a:schemeClr>
+          </a:lnRef>
+          <a:fillRef idx="1">
+            <a:schemeClr val="accent1"/>
+          </a:fillRef>
+          <a:effectRef idx="0">
+            <a:schemeClr val="accent1"/>
+          </a:effectRef>
+          <a:fontRef idx="minor">
+            <a:schemeClr val="lt1"/>
+          </a:fontRef>
+        </p:style>
+        <p:txBody>
+          <a:bodyPr rtlCol="0" anchor="ctr"/>
+          <a:lstStyle/>
+          <a:p>
+            <a:pPr algn="ctr"/>
+            <a:endParaRPr lang="sv-SE"/>
+          </a:p>
+        </p:txBody>
+      </p:sp>
+      <p:sp>
+        <p:nvSpPr>
+          <p:cNvPr id="69" name="Freeform 68"/>
+          <p:cNvSpPr/>
+          <p:nvPr/>
+        </p:nvSpPr>
+        <p:spPr>
+          <a:xfrm rot="12600000" flipH="1">
+            <a:off x="3863872" y="3330716"/>
+            <a:ext cx="376541" cy="651405"/>
+          </a:xfrm>
+          <a:custGeom>
+            <a:avLst/>
+            <a:gdLst>
+              <a:gd name="connsiteX0" fmla="*/ 0 w 2013626"/>
+              <a:gd name="connsiteY0" fmla="*/ 1735884 h 3471768"/>
+              <a:gd name="connsiteX1" fmla="*/ 1006813 w 2013626"/>
+              <a:gd name="connsiteY1" fmla="*/ 0 h 3471768"/>
+              <a:gd name="connsiteX2" fmla="*/ 2013626 w 2013626"/>
+              <a:gd name="connsiteY2" fmla="*/ 1735884 h 3471768"/>
+              <a:gd name="connsiteX3" fmla="*/ 1006813 w 2013626"/>
+              <a:gd name="connsiteY3" fmla="*/ 3471768 h 3471768"/>
+            </a:gdLst>
+            <a:ahLst/>
+            <a:cxnLst>
+              <a:cxn ang="0">
+                <a:pos x="connsiteX0" y="connsiteY0"/>
+              </a:cxn>
+              <a:cxn ang="0">
+                <a:pos x="connsiteX1" y="connsiteY1"/>
+              </a:cxn>
+              <a:cxn ang="0">
+                <a:pos x="connsiteX2" y="connsiteY2"/>
+              </a:cxn>
+              <a:cxn ang="0">
+                <a:pos x="connsiteX3" y="connsiteY3"/>
+              </a:cxn>
+            </a:cxnLst>
+            <a:rect l="l" t="t" r="r" b="b"/>
+            <a:pathLst>
+              <a:path w="2013626" h="3471768">
+                <a:moveTo>
+                  <a:pt x="0" y="1735884"/>
+                </a:moveTo>
+                <a:lnTo>
+                  <a:pt x="1006813" y="0"/>
+                </a:lnTo>
+                <a:lnTo>
+                  <a:pt x="2013626" y="1735884"/>
+                </a:lnTo>
+                <a:lnTo>
+                  <a:pt x="1006813" y="3471768"/>
+                </a:lnTo>
+                <a:close/>
+              </a:path>
+            </a:pathLst>
+          </a:custGeom>
+          <a:solidFill>
+            <a:srgbClr val="9933FF"/>
+          </a:solidFill>
+          <a:ln w="15240" cap="rnd">
+            <a:solidFill>
+              <a:schemeClr val="tx1"/>
+            </a:solidFill>
+            <a:round/>
+          </a:ln>
+        </p:spPr>
+        <p:style>
+          <a:lnRef idx="2">
+            <a:schemeClr val="accent1">
+              <a:shade val="50000"/>
+            </a:schemeClr>
+          </a:lnRef>
+          <a:fillRef idx="1">
+            <a:schemeClr val="accent1"/>
+          </a:fillRef>
+          <a:effectRef idx="0">
+            <a:schemeClr val="accent1"/>
+          </a:effectRef>
+          <a:fontRef idx="minor">
+            <a:schemeClr val="lt1"/>
+          </a:fontRef>
+        </p:style>
+        <p:txBody>
+          <a:bodyPr rtlCol="0" anchor="ctr"/>
+          <a:lstStyle/>
+          <a:p>
+            <a:pPr algn="ctr"/>
+            <a:endParaRPr lang="sv-SE"/>
+          </a:p>
+        </p:txBody>
+      </p:sp>
+      <p:sp>
+        <p:nvSpPr>
+          <p:cNvPr id="64" name="Freeform 63"/>
+          <p:cNvSpPr/>
+          <p:nvPr/>
+        </p:nvSpPr>
+        <p:spPr>
+          <a:xfrm rot="5400000">
+            <a:off x="3698679" y="1947174"/>
+            <a:ext cx="376234" cy="651679"/>
+          </a:xfrm>
+          <a:custGeom>
+            <a:avLst/>
+            <a:gdLst>
+              <a:gd name="connsiteX0" fmla="*/ 0 w 2013626"/>
+              <a:gd name="connsiteY0" fmla="*/ 1735884 h 3471768"/>
+              <a:gd name="connsiteX1" fmla="*/ 1006813 w 2013626"/>
+              <a:gd name="connsiteY1" fmla="*/ 0 h 3471768"/>
+              <a:gd name="connsiteX2" fmla="*/ 2013626 w 2013626"/>
+              <a:gd name="connsiteY2" fmla="*/ 1735884 h 3471768"/>
+              <a:gd name="connsiteX3" fmla="*/ 1006813 w 2013626"/>
+              <a:gd name="connsiteY3" fmla="*/ 3471768 h 3471768"/>
+            </a:gdLst>
+            <a:ahLst/>
+            <a:cxnLst>
+              <a:cxn ang="0">
+                <a:pos x="connsiteX0" y="connsiteY0"/>
+              </a:cxn>
+              <a:cxn ang="0">
+                <a:pos x="connsiteX1" y="connsiteY1"/>
+              </a:cxn>
+              <a:cxn ang="0">
+                <a:pos x="connsiteX2" y="connsiteY2"/>
+              </a:cxn>
+              <a:cxn ang="0">
+                <a:pos x="connsiteX3" y="connsiteY3"/>
+              </a:cxn>
+            </a:cxnLst>
+            <a:rect l="l" t="t" r="r" b="b"/>
+            <a:pathLst>
+              <a:path w="2013626" h="3471768">
+                <a:moveTo>
+                  <a:pt x="0" y="1735884"/>
+                </a:moveTo>
+                <a:lnTo>
+                  <a:pt x="1006813" y="0"/>
+                </a:lnTo>
+                <a:lnTo>
+                  <a:pt x="2013626" y="1735884"/>
+                </a:lnTo>
+                <a:lnTo>
+                  <a:pt x="1006813" y="3471768"/>
+                </a:lnTo>
+                <a:close/>
+              </a:path>
+            </a:pathLst>
+          </a:custGeom>
+          <a:solidFill>
+            <a:srgbClr val="FFCC29"/>
+          </a:solidFill>
+          <a:ln w="15240" cap="rnd">
+            <a:solidFill>
+              <a:schemeClr val="tx1"/>
+            </a:solidFill>
+            <a:round/>
+          </a:ln>
+        </p:spPr>
+        <p:style>
+          <a:lnRef idx="2">
+            <a:schemeClr val="accent1">
+              <a:shade val="50000"/>
+            </a:schemeClr>
+          </a:lnRef>
+          <a:fillRef idx="1">
+            <a:schemeClr val="accent1"/>
+          </a:fillRef>
+          <a:effectRef idx="0">
+            <a:schemeClr val="accent1"/>
+          </a:effectRef>
+          <a:fontRef idx="minor">
+            <a:schemeClr val="lt1"/>
+          </a:fontRef>
+        </p:style>
+        <p:txBody>
+          <a:bodyPr rtlCol="0" anchor="ctr"/>
+          <a:lstStyle/>
+          <a:p>
+            <a:pPr algn="ctr"/>
+            <a:endParaRPr lang="sv-SE"/>
+          </a:p>
+        </p:txBody>
+      </p:sp>
+      <p:sp>
+        <p:nvSpPr>
+          <p:cNvPr id="66" name="Freeform 65"/>
+          <p:cNvSpPr/>
+          <p:nvPr/>
+        </p:nvSpPr>
+        <p:spPr>
+          <a:xfrm rot="12600000" flipH="1">
+            <a:off x="3861168" y="2229375"/>
+            <a:ext cx="376541" cy="651405"/>
+          </a:xfrm>
+          <a:custGeom>
+            <a:avLst/>
+            <a:gdLst>
+              <a:gd name="connsiteX0" fmla="*/ 0 w 2013626"/>
+              <a:gd name="connsiteY0" fmla="*/ 1735884 h 3471768"/>
+              <a:gd name="connsiteX1" fmla="*/ 1006813 w 2013626"/>
+              <a:gd name="connsiteY1" fmla="*/ 0 h 3471768"/>
+              <a:gd name="connsiteX2" fmla="*/ 2013626 w 2013626"/>
+              <a:gd name="connsiteY2" fmla="*/ 1735884 h 3471768"/>
+              <a:gd name="connsiteX3" fmla="*/ 1006813 w 2013626"/>
+              <a:gd name="connsiteY3" fmla="*/ 3471768 h 3471768"/>
+            </a:gdLst>
+            <a:ahLst/>
+            <a:cxnLst>
+              <a:cxn ang="0">
+                <a:pos x="connsiteX0" y="connsiteY0"/>
+              </a:cxn>
+              <a:cxn ang="0">
+                <a:pos x="connsiteX1" y="connsiteY1"/>
+              </a:cxn>
+              <a:cxn ang="0">
+                <a:pos x="connsiteX2" y="connsiteY2"/>
+              </a:cxn>
+              <a:cxn ang="0">
+                <a:pos x="connsiteX3" y="connsiteY3"/>
+              </a:cxn>
+            </a:cxnLst>
+            <a:rect l="l" t="t" r="r" b="b"/>
+            <a:pathLst>
+              <a:path w="2013626" h="3471768">
+                <a:moveTo>
+                  <a:pt x="0" y="1735884"/>
+                </a:moveTo>
+                <a:lnTo>
+                  <a:pt x="1006813" y="0"/>
+                </a:lnTo>
+                <a:lnTo>
+                  <a:pt x="2013626" y="1735884"/>
+                </a:lnTo>
+                <a:lnTo>
+                  <a:pt x="1006813" y="3471768"/>
+                </a:lnTo>
+                <a:close/>
+              </a:path>
+            </a:pathLst>
+          </a:custGeom>
+          <a:solidFill>
+            <a:srgbClr val="9933FF"/>
+          </a:solidFill>
+          <a:ln w="15240" cap="rnd">
+            <a:solidFill>
+              <a:schemeClr val="tx1"/>
+            </a:solidFill>
+            <a:round/>
+          </a:ln>
+        </p:spPr>
+        <p:style>
+          <a:lnRef idx="2">
+            <a:schemeClr val="accent1">
+              <a:shade val="50000"/>
+            </a:schemeClr>
+          </a:lnRef>
+          <a:fillRef idx="1">
+            <a:schemeClr val="accent1"/>
+          </a:fillRef>
+          <a:effectRef idx="0">
+            <a:schemeClr val="accent1"/>
+          </a:effectRef>
+          <a:fontRef idx="minor">
+            <a:schemeClr val="lt1"/>
+          </a:fontRef>
+        </p:style>
+        <p:txBody>
+          <a:bodyPr rtlCol="0" anchor="ctr"/>
+          <a:lstStyle/>
+          <a:p>
+            <a:pPr algn="ctr"/>
+            <a:endParaRPr lang="sv-SE"/>
+          </a:p>
+        </p:txBody>
+      </p:sp>
+      <p:sp>
+        <p:nvSpPr>
+          <p:cNvPr id="61" name="Freeform 60"/>
+          <p:cNvSpPr/>
+          <p:nvPr/>
+        </p:nvSpPr>
+        <p:spPr>
+          <a:xfrm rot="5400000">
+            <a:off x="3223045" y="2220259"/>
+            <a:ext cx="376234" cy="651679"/>
+          </a:xfrm>
+          <a:custGeom>
+            <a:avLst/>
+            <a:gdLst>
+              <a:gd name="connsiteX0" fmla="*/ 0 w 2013626"/>
+              <a:gd name="connsiteY0" fmla="*/ 1735884 h 3471768"/>
+              <a:gd name="connsiteX1" fmla="*/ 1006813 w 2013626"/>
+              <a:gd name="connsiteY1" fmla="*/ 0 h 3471768"/>
+              <a:gd name="connsiteX2" fmla="*/ 2013626 w 2013626"/>
+              <a:gd name="connsiteY2" fmla="*/ 1735884 h 3471768"/>
+              <a:gd name="connsiteX3" fmla="*/ 1006813 w 2013626"/>
+              <a:gd name="connsiteY3" fmla="*/ 3471768 h 3471768"/>
+            </a:gdLst>
+            <a:ahLst/>
+            <a:cxnLst>
+              <a:cxn ang="0">
+                <a:pos x="connsiteX0" y="connsiteY0"/>
+              </a:cxn>
+              <a:cxn ang="0">
+                <a:pos x="connsiteX1" y="connsiteY1"/>
+              </a:cxn>
+              <a:cxn ang="0">
+                <a:pos x="connsiteX2" y="connsiteY2"/>
+              </a:cxn>
+              <a:cxn ang="0">
+                <a:pos x="connsiteX3" y="connsiteY3"/>
+              </a:cxn>
+            </a:cxnLst>
+            <a:rect l="l" t="t" r="r" b="b"/>
+            <a:pathLst>
+              <a:path w="2013626" h="3471768">
+                <a:moveTo>
+                  <a:pt x="0" y="1735884"/>
+                </a:moveTo>
+                <a:lnTo>
+                  <a:pt x="1006813" y="0"/>
+                </a:lnTo>
+                <a:lnTo>
+                  <a:pt x="2013626" y="1735884"/>
+                </a:lnTo>
+                <a:lnTo>
+                  <a:pt x="1006813" y="3471768"/>
+                </a:lnTo>
+                <a:close/>
+              </a:path>
+            </a:pathLst>
+          </a:custGeom>
+          <a:solidFill>
+            <a:srgbClr val="FFCC29"/>
+          </a:solidFill>
+          <a:ln w="15240" cap="rnd">
+            <a:solidFill>
+              <a:schemeClr val="tx1"/>
+            </a:solidFill>
+            <a:round/>
+          </a:ln>
+        </p:spPr>
+        <p:style>
+          <a:lnRef idx="2">
+            <a:schemeClr val="accent1">
+              <a:shade val="50000"/>
+            </a:schemeClr>
+          </a:lnRef>
+          <a:fillRef idx="1">
+            <a:schemeClr val="accent1"/>
+          </a:fillRef>
+          <a:effectRef idx="0">
+            <a:schemeClr val="accent1"/>
+          </a:effectRef>
+          <a:fontRef idx="minor">
+            <a:schemeClr val="lt1"/>
+          </a:fontRef>
+        </p:style>
+        <p:txBody>
+          <a:bodyPr rtlCol="0" anchor="ctr"/>
+          <a:lstStyle/>
+          <a:p>
+            <a:pPr algn="ctr"/>
+            <a:endParaRPr lang="sv-SE"/>
+          </a:p>
+        </p:txBody>
+      </p:sp>
+      <p:sp>
+        <p:nvSpPr>
+          <p:cNvPr id="62" name="Freeform 61"/>
+          <p:cNvSpPr/>
+          <p:nvPr/>
+        </p:nvSpPr>
+        <p:spPr>
+          <a:xfrm rot="9000000">
+            <a:off x="3059503" y="2502460"/>
+            <a:ext cx="376541" cy="651405"/>
+          </a:xfrm>
+          <a:custGeom>
+            <a:avLst/>
+            <a:gdLst>
+              <a:gd name="connsiteX0" fmla="*/ 0 w 2013626"/>
+              <a:gd name="connsiteY0" fmla="*/ 1735884 h 3471768"/>
+              <a:gd name="connsiteX1" fmla="*/ 1006813 w 2013626"/>
+              <a:gd name="connsiteY1" fmla="*/ 0 h 3471768"/>
+              <a:gd name="connsiteX2" fmla="*/ 2013626 w 2013626"/>
+              <a:gd name="connsiteY2" fmla="*/ 1735884 h 3471768"/>
+              <a:gd name="connsiteX3" fmla="*/ 1006813 w 2013626"/>
+              <a:gd name="connsiteY3" fmla="*/ 3471768 h 3471768"/>
+            </a:gdLst>
+            <a:ahLst/>
+            <a:cxnLst>
+              <a:cxn ang="0">
+                <a:pos x="connsiteX0" y="connsiteY0"/>
+              </a:cxn>
+              <a:cxn ang="0">
+                <a:pos x="connsiteX1" y="connsiteY1"/>
+              </a:cxn>
+              <a:cxn ang="0">
+                <a:pos x="connsiteX2" y="connsiteY2"/>
+              </a:cxn>
+              <a:cxn ang="0">
+                <a:pos x="connsiteX3" y="connsiteY3"/>
+              </a:cxn>
+            </a:cxnLst>
+            <a:rect l="l" t="t" r="r" b="b"/>
+            <a:pathLst>
+              <a:path w="2013626" h="3471768">
+                <a:moveTo>
+                  <a:pt x="0" y="1735884"/>
+                </a:moveTo>
+                <a:lnTo>
+                  <a:pt x="1006813" y="0"/>
+                </a:lnTo>
+                <a:lnTo>
+                  <a:pt x="2013626" y="1735884"/>
+                </a:lnTo>
+                <a:lnTo>
+                  <a:pt x="1006813" y="3471768"/>
+                </a:lnTo>
+                <a:close/>
+              </a:path>
+            </a:pathLst>
+          </a:custGeom>
+          <a:solidFill>
+            <a:srgbClr val="FF4B4B"/>
+          </a:solidFill>
+          <a:ln w="15240" cap="rnd">
+            <a:solidFill>
+              <a:schemeClr val="tx1"/>
+            </a:solidFill>
+            <a:round/>
+          </a:ln>
+        </p:spPr>
+        <p:style>
+          <a:lnRef idx="2">
+            <a:schemeClr val="accent1">
+              <a:shade val="50000"/>
+            </a:schemeClr>
+          </a:lnRef>
+          <a:fillRef idx="1">
+            <a:schemeClr val="accent1"/>
+          </a:fillRef>
+          <a:effectRef idx="0">
+            <a:schemeClr val="accent1"/>
+          </a:effectRef>
+          <a:fontRef idx="minor">
+            <a:schemeClr val="lt1"/>
+          </a:fontRef>
+        </p:style>
+        <p:txBody>
+          <a:bodyPr rtlCol="0" anchor="ctr"/>
+          <a:lstStyle/>
+          <a:p>
+            <a:pPr algn="ctr"/>
+            <a:endParaRPr lang="sv-SE"/>
+          </a:p>
+        </p:txBody>
+      </p:sp>
+      <p:sp>
+        <p:nvSpPr>
+          <p:cNvPr id="63" name="Freeform 62"/>
+          <p:cNvSpPr/>
+          <p:nvPr/>
+        </p:nvSpPr>
+        <p:spPr>
+          <a:xfrm rot="12600000" flipH="1">
+            <a:off x="3385534" y="2502460"/>
+            <a:ext cx="376541" cy="651405"/>
+          </a:xfrm>
+          <a:custGeom>
+            <a:avLst/>
+            <a:gdLst>
+              <a:gd name="connsiteX0" fmla="*/ 0 w 2013626"/>
+              <a:gd name="connsiteY0" fmla="*/ 1735884 h 3471768"/>
+              <a:gd name="connsiteX1" fmla="*/ 1006813 w 2013626"/>
+              <a:gd name="connsiteY1" fmla="*/ 0 h 3471768"/>
+              <a:gd name="connsiteX2" fmla="*/ 2013626 w 2013626"/>
+              <a:gd name="connsiteY2" fmla="*/ 1735884 h 3471768"/>
+              <a:gd name="connsiteX3" fmla="*/ 1006813 w 2013626"/>
+              <a:gd name="connsiteY3" fmla="*/ 3471768 h 3471768"/>
+            </a:gdLst>
+            <a:ahLst/>
+            <a:cxnLst>
+              <a:cxn ang="0">
+                <a:pos x="connsiteX0" y="connsiteY0"/>
+              </a:cxn>
+              <a:cxn ang="0">
+                <a:pos x="connsiteX1" y="connsiteY1"/>
+              </a:cxn>
+              <a:cxn ang="0">
+                <a:pos x="connsiteX2" y="connsiteY2"/>
+              </a:cxn>
+              <a:cxn ang="0">
+                <a:pos x="connsiteX3" y="connsiteY3"/>
+              </a:cxn>
+            </a:cxnLst>
+            <a:rect l="l" t="t" r="r" b="b"/>
+            <a:pathLst>
+              <a:path w="2013626" h="3471768">
+                <a:moveTo>
+                  <a:pt x="0" y="1735884"/>
+                </a:moveTo>
+                <a:lnTo>
+                  <a:pt x="1006813" y="0"/>
+                </a:lnTo>
+                <a:lnTo>
+                  <a:pt x="2013626" y="1735884"/>
+                </a:lnTo>
+                <a:lnTo>
+                  <a:pt x="1006813" y="3471768"/>
+                </a:lnTo>
+                <a:close/>
+              </a:path>
+            </a:pathLst>
+          </a:custGeom>
+          <a:solidFill>
+            <a:srgbClr val="9933FF"/>
+          </a:solidFill>
+          <a:ln w="15240" cap="rnd">
+            <a:solidFill>
+              <a:schemeClr val="tx1"/>
+            </a:solidFill>
+            <a:round/>
+          </a:ln>
+        </p:spPr>
+        <p:style>
+          <a:lnRef idx="2">
+            <a:schemeClr val="accent1">
+              <a:shade val="50000"/>
+            </a:schemeClr>
+          </a:lnRef>
+          <a:fillRef idx="1">
+            <a:schemeClr val="accent1"/>
+          </a:fillRef>
+          <a:effectRef idx="0">
+            <a:schemeClr val="accent1"/>
+          </a:effectRef>
+          <a:fontRef idx="minor">
+            <a:schemeClr val="lt1"/>
+          </a:fontRef>
+        </p:style>
+        <p:txBody>
+          <a:bodyPr rtlCol="0" anchor="ctr"/>
+          <a:lstStyle/>
+          <a:p>
+            <a:pPr algn="ctr"/>
+            <a:endParaRPr lang="sv-SE"/>
+          </a:p>
+        </p:txBody>
+      </p:sp>
+      <p:sp>
+        <p:nvSpPr>
+          <p:cNvPr id="58" name="Freeform 57"/>
+          <p:cNvSpPr/>
+          <p:nvPr/>
+        </p:nvSpPr>
+        <p:spPr>
+          <a:xfrm rot="5400000">
+            <a:off x="4177734" y="2220259"/>
+            <a:ext cx="376234" cy="651679"/>
+          </a:xfrm>
+          <a:custGeom>
+            <a:avLst/>
+            <a:gdLst>
+              <a:gd name="connsiteX0" fmla="*/ 0 w 2013626"/>
+              <a:gd name="connsiteY0" fmla="*/ 1735884 h 3471768"/>
+              <a:gd name="connsiteX1" fmla="*/ 1006813 w 2013626"/>
+              <a:gd name="connsiteY1" fmla="*/ 0 h 3471768"/>
+              <a:gd name="connsiteX2" fmla="*/ 2013626 w 2013626"/>
+              <a:gd name="connsiteY2" fmla="*/ 1735884 h 3471768"/>
+              <a:gd name="connsiteX3" fmla="*/ 1006813 w 2013626"/>
+              <a:gd name="connsiteY3" fmla="*/ 3471768 h 3471768"/>
+            </a:gdLst>
+            <a:ahLst/>
+            <a:cxnLst>
+              <a:cxn ang="0">
+                <a:pos x="connsiteX0" y="connsiteY0"/>
+              </a:cxn>
+              <a:cxn ang="0">
+                <a:pos x="connsiteX1" y="connsiteY1"/>
+              </a:cxn>
+              <a:cxn ang="0">
+                <a:pos x="connsiteX2" y="connsiteY2"/>
+              </a:cxn>
+              <a:cxn ang="0">
+                <a:pos x="connsiteX3" y="connsiteY3"/>
+              </a:cxn>
+            </a:cxnLst>
+            <a:rect l="l" t="t" r="r" b="b"/>
+            <a:pathLst>
+              <a:path w="2013626" h="3471768">
+                <a:moveTo>
+                  <a:pt x="0" y="1735884"/>
+                </a:moveTo>
+                <a:lnTo>
+                  <a:pt x="1006813" y="0"/>
+                </a:lnTo>
+                <a:lnTo>
+                  <a:pt x="2013626" y="1735884"/>
+                </a:lnTo>
+                <a:lnTo>
+                  <a:pt x="1006813" y="3471768"/>
+                </a:lnTo>
+                <a:close/>
+              </a:path>
+            </a:pathLst>
+          </a:custGeom>
+          <a:solidFill>
+            <a:srgbClr val="FFCC29"/>
+          </a:solidFill>
+          <a:ln w="15240" cap="rnd">
+            <a:solidFill>
+              <a:schemeClr val="tx1"/>
+            </a:solidFill>
+            <a:round/>
+          </a:ln>
+        </p:spPr>
+        <p:style>
+          <a:lnRef idx="2">
+            <a:schemeClr val="accent1">
+              <a:shade val="50000"/>
+            </a:schemeClr>
+          </a:lnRef>
+          <a:fillRef idx="1">
+            <a:schemeClr val="accent1"/>
+          </a:fillRef>
+          <a:effectRef idx="0">
+            <a:schemeClr val="accent1"/>
+          </a:effectRef>
+          <a:fontRef idx="minor">
+            <a:schemeClr val="lt1"/>
+          </a:fontRef>
+        </p:style>
+        <p:txBody>
+          <a:bodyPr rtlCol="0" anchor="ctr"/>
+          <a:lstStyle/>
+          <a:p>
+            <a:pPr algn="ctr"/>
+            <a:endParaRPr lang="sv-SE"/>
+          </a:p>
+        </p:txBody>
+      </p:sp>
+      <p:sp>
+        <p:nvSpPr>
+          <p:cNvPr id="59" name="Freeform 58"/>
+          <p:cNvSpPr/>
+          <p:nvPr/>
+        </p:nvSpPr>
+        <p:spPr>
+          <a:xfrm rot="9000000">
+            <a:off x="4014192" y="2502460"/>
+            <a:ext cx="376541" cy="651405"/>
+          </a:xfrm>
+          <a:custGeom>
+            <a:avLst/>
+            <a:gdLst>
+              <a:gd name="connsiteX0" fmla="*/ 0 w 2013626"/>
+              <a:gd name="connsiteY0" fmla="*/ 1735884 h 3471768"/>
+              <a:gd name="connsiteX1" fmla="*/ 1006813 w 2013626"/>
+              <a:gd name="connsiteY1" fmla="*/ 0 h 3471768"/>
+              <a:gd name="connsiteX2" fmla="*/ 2013626 w 2013626"/>
+              <a:gd name="connsiteY2" fmla="*/ 1735884 h 3471768"/>
+              <a:gd name="connsiteX3" fmla="*/ 1006813 w 2013626"/>
+              <a:gd name="connsiteY3" fmla="*/ 3471768 h 3471768"/>
+            </a:gdLst>
+            <a:ahLst/>
+            <a:cxnLst>
+              <a:cxn ang="0">
+                <a:pos x="connsiteX0" y="connsiteY0"/>
+              </a:cxn>
+              <a:cxn ang="0">
+                <a:pos x="connsiteX1" y="connsiteY1"/>
+              </a:cxn>
+              <a:cxn ang="0">
+                <a:pos x="connsiteX2" y="connsiteY2"/>
+              </a:cxn>
+              <a:cxn ang="0">
+                <a:pos x="connsiteX3" y="connsiteY3"/>
+              </a:cxn>
+            </a:cxnLst>
+            <a:rect l="l" t="t" r="r" b="b"/>
+            <a:pathLst>
+              <a:path w="2013626" h="3471768">
+                <a:moveTo>
+                  <a:pt x="0" y="1735884"/>
+                </a:moveTo>
+                <a:lnTo>
+                  <a:pt x="1006813" y="0"/>
+                </a:lnTo>
+                <a:lnTo>
+                  <a:pt x="2013626" y="1735884"/>
+                </a:lnTo>
+                <a:lnTo>
+                  <a:pt x="1006813" y="3471768"/>
+                </a:lnTo>
+                <a:close/>
+              </a:path>
+            </a:pathLst>
+          </a:custGeom>
+          <a:solidFill>
+            <a:srgbClr val="FF4B4B"/>
+          </a:solidFill>
+          <a:ln w="15240" cap="rnd">
+            <a:solidFill>
+              <a:schemeClr val="tx1"/>
+            </a:solidFill>
+            <a:round/>
+          </a:ln>
+        </p:spPr>
+        <p:style>
+          <a:lnRef idx="2">
+            <a:schemeClr val="accent1">
+              <a:shade val="50000"/>
+            </a:schemeClr>
+          </a:lnRef>
+          <a:fillRef idx="1">
+            <a:schemeClr val="accent1"/>
+          </a:fillRef>
+          <a:effectRef idx="0">
+            <a:schemeClr val="accent1"/>
+          </a:effectRef>
+          <a:fontRef idx="minor">
+            <a:schemeClr val="lt1"/>
+          </a:fontRef>
+        </p:style>
+        <p:txBody>
+          <a:bodyPr rtlCol="0" anchor="ctr"/>
+          <a:lstStyle/>
+          <a:p>
+            <a:pPr algn="ctr"/>
+            <a:endParaRPr lang="sv-SE"/>
+          </a:p>
+        </p:txBody>
+      </p:sp>
+      <p:sp>
+        <p:nvSpPr>
+          <p:cNvPr id="60" name="Freeform 59"/>
+          <p:cNvSpPr/>
+          <p:nvPr/>
+        </p:nvSpPr>
+        <p:spPr>
+          <a:xfrm rot="12600000" flipH="1">
+            <a:off x="4340223" y="2502460"/>
+            <a:ext cx="376541" cy="651405"/>
+          </a:xfrm>
+          <a:custGeom>
+            <a:avLst/>
+            <a:gdLst>
+              <a:gd name="connsiteX0" fmla="*/ 0 w 2013626"/>
+              <a:gd name="connsiteY0" fmla="*/ 1735884 h 3471768"/>
+              <a:gd name="connsiteX1" fmla="*/ 1006813 w 2013626"/>
+              <a:gd name="connsiteY1" fmla="*/ 0 h 3471768"/>
+              <a:gd name="connsiteX2" fmla="*/ 2013626 w 2013626"/>
+              <a:gd name="connsiteY2" fmla="*/ 1735884 h 3471768"/>
+              <a:gd name="connsiteX3" fmla="*/ 1006813 w 2013626"/>
+              <a:gd name="connsiteY3" fmla="*/ 3471768 h 3471768"/>
+            </a:gdLst>
+            <a:ahLst/>
+            <a:cxnLst>
+              <a:cxn ang="0">
+                <a:pos x="connsiteX0" y="connsiteY0"/>
+              </a:cxn>
+              <a:cxn ang="0">
+                <a:pos x="connsiteX1" y="connsiteY1"/>
+              </a:cxn>
+              <a:cxn ang="0">
+                <a:pos x="connsiteX2" y="connsiteY2"/>
+              </a:cxn>
+              <a:cxn ang="0">
+                <a:pos x="connsiteX3" y="connsiteY3"/>
+              </a:cxn>
+            </a:cxnLst>
+            <a:rect l="l" t="t" r="r" b="b"/>
+            <a:pathLst>
+              <a:path w="2013626" h="3471768">
+                <a:moveTo>
+                  <a:pt x="0" y="1735884"/>
+                </a:moveTo>
+                <a:lnTo>
+                  <a:pt x="1006813" y="0"/>
+                </a:lnTo>
+                <a:lnTo>
+                  <a:pt x="2013626" y="1735884"/>
+                </a:lnTo>
+                <a:lnTo>
+                  <a:pt x="1006813" y="3471768"/>
+                </a:lnTo>
+                <a:close/>
+              </a:path>
+            </a:pathLst>
+          </a:custGeom>
+          <a:solidFill>
+            <a:srgbClr val="9933FF"/>
+          </a:solidFill>
+          <a:ln w="15240" cap="rnd">
+            <a:solidFill>
+              <a:schemeClr val="tx1"/>
+            </a:solidFill>
+            <a:round/>
+          </a:ln>
+        </p:spPr>
+        <p:style>
+          <a:lnRef idx="2">
+            <a:schemeClr val="accent1">
+              <a:shade val="50000"/>
+            </a:schemeClr>
+          </a:lnRef>
+          <a:fillRef idx="1">
+            <a:schemeClr val="accent1"/>
+          </a:fillRef>
+          <a:effectRef idx="0">
+            <a:schemeClr val="accent1"/>
+          </a:effectRef>
+          <a:fontRef idx="minor">
+            <a:schemeClr val="lt1"/>
+          </a:fontRef>
+        </p:style>
+        <p:txBody>
+          <a:bodyPr rtlCol="0" anchor="ctr"/>
+          <a:lstStyle/>
+          <a:p>
+            <a:pPr algn="ctr"/>
+            <a:endParaRPr lang="sv-SE"/>
+          </a:p>
+        </p:txBody>
+      </p:sp>
+      <p:sp>
+        <p:nvSpPr>
+          <p:cNvPr id="65" name="Freeform 64"/>
+          <p:cNvSpPr/>
+          <p:nvPr/>
+        </p:nvSpPr>
+        <p:spPr>
+          <a:xfrm rot="9000000">
+            <a:off x="3535137" y="2229375"/>
+            <a:ext cx="376541" cy="651405"/>
+          </a:xfrm>
+          <a:custGeom>
+            <a:avLst/>
+            <a:gdLst>
+              <a:gd name="connsiteX0" fmla="*/ 0 w 2013626"/>
+              <a:gd name="connsiteY0" fmla="*/ 1735884 h 3471768"/>
+              <a:gd name="connsiteX1" fmla="*/ 1006813 w 2013626"/>
+              <a:gd name="connsiteY1" fmla="*/ 0 h 3471768"/>
+              <a:gd name="connsiteX2" fmla="*/ 2013626 w 2013626"/>
+              <a:gd name="connsiteY2" fmla="*/ 1735884 h 3471768"/>
+              <a:gd name="connsiteX3" fmla="*/ 1006813 w 2013626"/>
+              <a:gd name="connsiteY3" fmla="*/ 3471768 h 3471768"/>
+            </a:gdLst>
+            <a:ahLst/>
+            <a:cxnLst>
+              <a:cxn ang="0">
+                <a:pos x="connsiteX0" y="connsiteY0"/>
+              </a:cxn>
+              <a:cxn ang="0">
+                <a:pos x="connsiteX1" y="connsiteY1"/>
+              </a:cxn>
+              <a:cxn ang="0">
+                <a:pos x="connsiteX2" y="connsiteY2"/>
+              </a:cxn>
+              <a:cxn ang="0">
+                <a:pos x="connsiteX3" y="connsiteY3"/>
+              </a:cxn>
+            </a:cxnLst>
+            <a:rect l="l" t="t" r="r" b="b"/>
+            <a:pathLst>
+              <a:path w="2013626" h="3471768">
+                <a:moveTo>
+                  <a:pt x="0" y="1735884"/>
+                </a:moveTo>
+                <a:lnTo>
+                  <a:pt x="1006813" y="0"/>
+                </a:lnTo>
+                <a:lnTo>
+                  <a:pt x="2013626" y="1735884"/>
+                </a:lnTo>
+                <a:lnTo>
+                  <a:pt x="1006813" y="3471768"/>
+                </a:lnTo>
+                <a:close/>
+              </a:path>
+            </a:pathLst>
+          </a:custGeom>
+          <a:solidFill>
+            <a:srgbClr val="FF4B4B"/>
+          </a:solidFill>
+          <a:ln w="15240" cap="rnd">
+            <a:solidFill>
+              <a:schemeClr val="tx1"/>
+            </a:solidFill>
+            <a:round/>
+          </a:ln>
+        </p:spPr>
+        <p:style>
+          <a:lnRef idx="2">
+            <a:schemeClr val="accent1">
+              <a:shade val="50000"/>
+            </a:schemeClr>
+          </a:lnRef>
+          <a:fillRef idx="1">
+            <a:schemeClr val="accent1"/>
+          </a:fillRef>
+          <a:effectRef idx="0">
+            <a:schemeClr val="accent1"/>
+          </a:effectRef>
+          <a:fontRef idx="minor">
+            <a:schemeClr val="lt1"/>
+          </a:fontRef>
+        </p:style>
+        <p:txBody>
+          <a:bodyPr rtlCol="0" anchor="ctr"/>
+          <a:lstStyle/>
+          <a:p>
+            <a:pPr algn="ctr"/>
+            <a:endParaRPr lang="sv-SE"/>
+          </a:p>
+        </p:txBody>
+      </p:sp>
+      <p:sp>
+        <p:nvSpPr>
+          <p:cNvPr id="70" name="Freeform 69"/>
+          <p:cNvSpPr/>
+          <p:nvPr/>
+        </p:nvSpPr>
+        <p:spPr>
+          <a:xfrm rot="5400000">
+            <a:off x="4178716" y="2770929"/>
+            <a:ext cx="376234" cy="651679"/>
+          </a:xfrm>
+          <a:custGeom>
+            <a:avLst/>
+            <a:gdLst>
+              <a:gd name="connsiteX0" fmla="*/ 0 w 2013626"/>
+              <a:gd name="connsiteY0" fmla="*/ 1735884 h 3471768"/>
+              <a:gd name="connsiteX1" fmla="*/ 1006813 w 2013626"/>
+              <a:gd name="connsiteY1" fmla="*/ 0 h 3471768"/>
+              <a:gd name="connsiteX2" fmla="*/ 2013626 w 2013626"/>
+              <a:gd name="connsiteY2" fmla="*/ 1735884 h 3471768"/>
+              <a:gd name="connsiteX3" fmla="*/ 1006813 w 2013626"/>
+              <a:gd name="connsiteY3" fmla="*/ 3471768 h 3471768"/>
+            </a:gdLst>
+            <a:ahLst/>
+            <a:cxnLst>
+              <a:cxn ang="0">
+                <a:pos x="connsiteX0" y="connsiteY0"/>
+              </a:cxn>
+              <a:cxn ang="0">
+                <a:pos x="connsiteX1" y="connsiteY1"/>
+              </a:cxn>
+              <a:cxn ang="0">
+                <a:pos x="connsiteX2" y="connsiteY2"/>
+              </a:cxn>
+              <a:cxn ang="0">
+                <a:pos x="connsiteX3" y="connsiteY3"/>
+              </a:cxn>
+            </a:cxnLst>
+            <a:rect l="l" t="t" r="r" b="b"/>
+            <a:pathLst>
+              <a:path w="2013626" h="3471768">
+                <a:moveTo>
+                  <a:pt x="0" y="1735884"/>
+                </a:moveTo>
+                <a:lnTo>
+                  <a:pt x="1006813" y="0"/>
+                </a:lnTo>
+                <a:lnTo>
+                  <a:pt x="2013626" y="1735884"/>
+                </a:lnTo>
+                <a:lnTo>
+                  <a:pt x="1006813" y="3471768"/>
+                </a:lnTo>
+                <a:close/>
+              </a:path>
+            </a:pathLst>
+          </a:custGeom>
+          <a:solidFill>
+            <a:srgbClr val="FFCC29"/>
+          </a:solidFill>
+          <a:ln w="15240" cap="rnd">
+            <a:solidFill>
+              <a:schemeClr val="tx1"/>
+            </a:solidFill>
+            <a:round/>
+          </a:ln>
+        </p:spPr>
+        <p:style>
+          <a:lnRef idx="2">
+            <a:schemeClr val="accent1">
+              <a:shade val="50000"/>
+            </a:schemeClr>
+          </a:lnRef>
+          <a:fillRef idx="1">
+            <a:schemeClr val="accent1"/>
+          </a:fillRef>
+          <a:effectRef idx="0">
+            <a:schemeClr val="accent1"/>
+          </a:effectRef>
+          <a:fontRef idx="minor">
+            <a:schemeClr val="lt1"/>
+          </a:fontRef>
+        </p:style>
+        <p:txBody>
+          <a:bodyPr rtlCol="0" anchor="ctr"/>
+          <a:lstStyle/>
+          <a:p>
+            <a:pPr algn="ctr"/>
+            <a:endParaRPr lang="sv-SE"/>
+          </a:p>
+        </p:txBody>
+      </p:sp>
+      <p:sp>
+        <p:nvSpPr>
+          <p:cNvPr id="75" name="Freeform 74"/>
+          <p:cNvSpPr/>
+          <p:nvPr/>
+        </p:nvSpPr>
+        <p:spPr>
+          <a:xfrm rot="12600000" flipH="1">
+            <a:off x="3386516" y="3053131"/>
+            <a:ext cx="376541" cy="651405"/>
+          </a:xfrm>
+          <a:custGeom>
+            <a:avLst/>
+            <a:gdLst>
+              <a:gd name="connsiteX0" fmla="*/ 0 w 2013626"/>
+              <a:gd name="connsiteY0" fmla="*/ 1735884 h 3471768"/>
+              <a:gd name="connsiteX1" fmla="*/ 1006813 w 2013626"/>
+              <a:gd name="connsiteY1" fmla="*/ 0 h 3471768"/>
+              <a:gd name="connsiteX2" fmla="*/ 2013626 w 2013626"/>
+              <a:gd name="connsiteY2" fmla="*/ 1735884 h 3471768"/>
+              <a:gd name="connsiteX3" fmla="*/ 1006813 w 2013626"/>
+              <a:gd name="connsiteY3" fmla="*/ 3471768 h 3471768"/>
+            </a:gdLst>
+            <a:ahLst/>
+            <a:cxnLst>
+              <a:cxn ang="0">
+                <a:pos x="connsiteX0" y="connsiteY0"/>
+              </a:cxn>
+              <a:cxn ang="0">
+                <a:pos x="connsiteX1" y="connsiteY1"/>
+              </a:cxn>
+              <a:cxn ang="0">
+                <a:pos x="connsiteX2" y="connsiteY2"/>
+              </a:cxn>
+              <a:cxn ang="0">
+                <a:pos x="connsiteX3" y="connsiteY3"/>
+              </a:cxn>
+            </a:cxnLst>
+            <a:rect l="l" t="t" r="r" b="b"/>
+            <a:pathLst>
+              <a:path w="2013626" h="3471768">
+                <a:moveTo>
+                  <a:pt x="0" y="1735884"/>
+                </a:moveTo>
+                <a:lnTo>
+                  <a:pt x="1006813" y="0"/>
+                </a:lnTo>
+                <a:lnTo>
+                  <a:pt x="2013626" y="1735884"/>
+                </a:lnTo>
+                <a:lnTo>
+                  <a:pt x="1006813" y="3471768"/>
+                </a:lnTo>
+                <a:close/>
+              </a:path>
+            </a:pathLst>
+          </a:custGeom>
+          <a:solidFill>
+            <a:srgbClr val="9933FF"/>
+          </a:solidFill>
+          <a:ln w="15240" cap="rnd">
+            <a:solidFill>
+              <a:schemeClr val="tx1"/>
+            </a:solidFill>
+            <a:round/>
+          </a:ln>
+        </p:spPr>
+        <p:style>
+          <a:lnRef idx="2">
+            <a:schemeClr val="accent1">
+              <a:shade val="50000"/>
+            </a:schemeClr>
+          </a:lnRef>
+          <a:fillRef idx="1">
+            <a:schemeClr val="accent1"/>
+          </a:fillRef>
+          <a:effectRef idx="0">
+            <a:schemeClr val="accent1"/>
+          </a:effectRef>
+          <a:fontRef idx="minor">
+            <a:schemeClr val="lt1"/>
+          </a:fontRef>
+        </p:style>
+        <p:txBody>
+          <a:bodyPr rtlCol="0" anchor="ctr"/>
+          <a:lstStyle/>
+          <a:p>
+            <a:pPr algn="ctr"/>
+            <a:endParaRPr lang="sv-SE"/>
+          </a:p>
+        </p:txBody>
+      </p:sp>
+      <p:sp>
+        <p:nvSpPr>
+          <p:cNvPr id="43" name="TextBox 42"/>
+          <p:cNvSpPr txBox="1"/>
+          <p:nvPr/>
+        </p:nvSpPr>
+        <p:spPr>
+          <a:xfrm>
+            <a:off x="4956900" y="2085671"/>
+            <a:ext cx="8477745" cy="1677382"/>
+          </a:xfrm>
+          <a:prstGeom prst="rect">
+            <a:avLst/>
+          </a:prstGeom>
+          <a:noFill/>
+        </p:spPr>
+        <p:txBody>
+          <a:bodyPr wrap="square" rtlCol="0">
+            <a:spAutoFit/>
+          </a:bodyPr>
+          <a:lstStyle/>
+          <a:p>
+            <a:r>
+              <a:rPr lang="sv-SE" sz="10300" b="1" spc="-1000" dirty="0" smtClean="0">
+                <a:ln w="15240">
+                  <a:solidFill>
+                    <a:srgbClr val="434343"/>
+                  </a:solidFill>
+                </a:ln>
+                <a:solidFill>
+                  <a:schemeClr val="bg1"/>
+                </a:solidFill>
+                <a:latin typeface="Arial Black" panose="020B0A04020102020204" pitchFamily="34" charset="0"/>
+              </a:rPr>
+              <a:t>speed</a:t>
+            </a:r>
+            <a:endParaRPr lang="sv-SE" sz="10300" b="1" spc="-1000" dirty="0">
+              <a:ln w="15240">
+                <a:solidFill>
+                  <a:srgbClr val="434343"/>
+                </a:solidFill>
+              </a:ln>
+              <a:solidFill>
+                <a:schemeClr val="bg1"/>
+              </a:solidFill>
+              <a:latin typeface="Arial Black" panose="020B0A04020102020204" pitchFamily="34" charset="0"/>
+            </a:endParaRPr>
+          </a:p>
+        </p:txBody>
+      </p:sp>
+    </p:spTree>
+    <p:extLst>
+      <p:ext uri="{BB962C8B-B14F-4D97-AF65-F5344CB8AC3E}">
+        <p14:creationId xmlns:p14="http://schemas.microsoft.com/office/powerpoint/2010/main" val="1581685217"/>
+      </p:ext>
+    </p:extLst>
+  </p:cSld>
+  <p:clrMapOvr>
+    <a:masterClrMapping/>
+  </p:clrMapOvr>
+  <p:timing>
+    <p:tnLst>
+      <p:par>
+        <p:cTn id="1" dur="indefinite" restart="never" nodeType="tmRoot"/>
+      </p:par>
+    </p:tnLst>
+  </p:timing>
+</p:sld>
+</file>
+
+<file path=ppt/slides/slide12.xml><?xml version="1.0" encoding="utf-8"?>
 <p:sld xmlns:a="http://schemas.openxmlformats.org/drawingml/2006/main" xmlns:r="http://schemas.openxmlformats.org/officeDocument/2006/relationships" xmlns:p="http://schemas.openxmlformats.org/presentationml/2006/main">
   <p:cSld>
     <p:spTree>
@@ -29787,7 +31684,9 @@
     <p:bg>
       <p:bgPr>
         <a:solidFill>
-          <a:srgbClr val="282828"/>
+          <a:schemeClr val="accent1">
+            <a:lumMod val="50000"/>
+          </a:schemeClr>
         </a:solidFill>
         <a:effectLst/>
       </p:bgPr>
@@ -29814,8 +31713,8 @@
         </p:nvSpPr>
         <p:spPr>
           <a:xfrm>
-            <a:off x="0" y="0"/>
-            <a:ext cx="12192000" cy="6858000"/>
+            <a:off x="0" y="1776553"/>
+            <a:ext cx="12192000" cy="3142894"/>
           </a:xfrm>
           <a:prstGeom prst="rect">
             <a:avLst/>
@@ -32948,7 +34847,9 @@
     <p:bg>
       <p:bgPr>
         <a:solidFill>
-          <a:srgbClr val="282828"/>
+          <a:schemeClr val="accent1">
+            <a:lumMod val="50000"/>
+          </a:schemeClr>
         </a:solidFill>
         <a:effectLst/>
       </p:bgPr>
@@ -32969,14 +34870,14 @@
       </p:grpSpPr>
       <p:sp>
         <p:nvSpPr>
-          <p:cNvPr id="16" name="Rectangle 15"/>
+          <p:cNvPr id="20" name="Rectangle 19"/>
           <p:cNvSpPr/>
           <p:nvPr/>
         </p:nvSpPr>
         <p:spPr>
           <a:xfrm>
-            <a:off x="0" y="0"/>
-            <a:ext cx="12192000" cy="6858000"/>
+            <a:off x="0" y="1776553"/>
+            <a:ext cx="12192000" cy="3142894"/>
           </a:xfrm>
           <a:prstGeom prst="rect">
             <a:avLst/>
@@ -34361,7 +36262,9 @@
     <p:bg>
       <p:bgPr>
         <a:solidFill>
-          <a:srgbClr val="282828"/>
+          <a:schemeClr val="accent1">
+            <a:lumMod val="50000"/>
+          </a:schemeClr>
         </a:solidFill>
         <a:effectLst/>
       </p:bgPr>
@@ -34382,14 +36285,14 @@
       </p:grpSpPr>
       <p:sp>
         <p:nvSpPr>
-          <p:cNvPr id="16" name="Rectangle 15"/>
+          <p:cNvPr id="20" name="Rectangle 19"/>
           <p:cNvSpPr/>
           <p:nvPr/>
         </p:nvSpPr>
         <p:spPr>
           <a:xfrm>
-            <a:off x="0" y="0"/>
-            <a:ext cx="12192000" cy="6858000"/>
+            <a:off x="0" y="1776553"/>
+            <a:ext cx="12192000" cy="3142894"/>
           </a:xfrm>
           <a:prstGeom prst="rect">
             <a:avLst/>
